--- a/publications/nsf_poster.pptx
+++ b/publications/nsf_poster.pptx
@@ -4237,7 +4237,7 @@
             <a:pPr algn="ctr"/>
             <a:r>
               <a:rPr lang="en-US" sz="5400" dirty="0" smtClean="0"/>
-              <a:t>Collaborators: Dan Williams and </a:t>
+              <a:t>Collaborators: Dan Williams , </a:t>
             </a:r>
             <a:r>
               <a:rPr lang="en-US" sz="5400" dirty="0" err="1" smtClean="0"/>
@@ -4253,8 +4253,21 @@
             </a:r>
             <a:r>
               <a:rPr lang="en-US" sz="5400" dirty="0" smtClean="0"/>
-              <a:t>, IBM T.J. Watson Research Center</a:t>
-            </a:r>
+              <a:t>, </a:t>
+            </a:r>
+            <a:r>
+              <a:rPr lang="en-US" sz="5400" dirty="0" err="1" smtClean="0"/>
+              <a:t>Umesh</a:t>
+            </a:r>
+            <a:r>
+              <a:rPr lang="en-US" sz="5400" dirty="0" smtClean="0"/>
+              <a:t> Deshpande, </a:t>
+            </a:r>
+            <a:r>
+              <a:rPr lang="en-US" sz="5400" smtClean="0"/>
+              <a:t>IBM Research Labs</a:t>
+            </a:r>
+            <a:endParaRPr lang="en-US" sz="5400" dirty="0" smtClean="0"/>
           </a:p>
         </p:txBody>
       </p:sp>

--- a/publications/nsf_poster.pptx
+++ b/publications/nsf_poster.pptx
@@ -3361,8 +3361,8 @@
         </p:nvSpPr>
         <p:spPr>
           <a:xfrm>
-            <a:off x="9635777" y="851844"/>
-            <a:ext cx="26889423" cy="3161356"/>
+            <a:off x="8077200" y="851844"/>
+            <a:ext cx="29159200" cy="4392367"/>
           </a:xfrm>
           <a:prstGeom prst="roundRect">
             <a:avLst/>
@@ -3398,7 +3398,7 @@
           <a:p>
             <a:pPr algn="ctr"/>
             <a:r>
-              <a:rPr lang="en-US" sz="10000" dirty="0" smtClean="0"/>
+              <a:rPr lang="en-US" sz="10000" i="1" dirty="0" smtClean="0"/>
               <a:t>Span VM: Multi-Hypervisor Virtual Machines</a:t>
             </a:r>
           </a:p>
@@ -3408,6 +3408,23 @@
               <a:rPr lang="en-US" sz="8000" i="1" dirty="0" smtClean="0"/>
               <a:t>Enabling An Ecosystem of Hypervisor-Level Services In Cloud</a:t>
             </a:r>
+            <a:r>
+              <a:rPr lang="en-US" sz="8000" i="1" dirty="0"/>
+              <a:t> </a:t>
+            </a:r>
+            <a:endParaRPr lang="en-US" sz="8000" i="1" dirty="0" smtClean="0"/>
+          </a:p>
+          <a:p>
+            <a:pPr algn="ctr"/>
+            <a:r>
+              <a:rPr lang="en-US" sz="7200" dirty="0" smtClean="0"/>
+              <a:t>PI: Kartik Gopalan, Binghamton University (SUNY), </a:t>
+            </a:r>
+            <a:r>
+              <a:rPr lang="en-US" sz="7200" dirty="0" err="1" smtClean="0"/>
+              <a:t>kartik@binghamton.edu</a:t>
+            </a:r>
+            <a:endParaRPr lang="en-US" sz="7200" dirty="0" smtClean="0"/>
           </a:p>
         </p:txBody>
       </p:sp>
@@ -3419,7 +3436,7 @@
         </p:nvSpPr>
         <p:spPr>
           <a:xfrm>
-            <a:off x="933544" y="6145438"/>
+            <a:off x="1136744" y="5637438"/>
             <a:ext cx="14613511" cy="2129671"/>
           </a:xfrm>
           <a:prstGeom prst="roundRect">
@@ -3489,7 +3506,7 @@
         </p:nvSpPr>
         <p:spPr>
           <a:xfrm>
-            <a:off x="15680310" y="6189393"/>
+            <a:off x="15883510" y="5681393"/>
             <a:ext cx="26955401" cy="2018436"/>
           </a:xfrm>
           <a:prstGeom prst="roundRect">
@@ -3544,7 +3561,7 @@
         </p:nvSpPr>
         <p:spPr>
           <a:xfrm>
-            <a:off x="1197430" y="8440058"/>
+            <a:off x="1400630" y="7932058"/>
             <a:ext cx="12453256" cy="7663636"/>
           </a:xfrm>
           <a:prstGeom prst="rect">
@@ -3627,7 +3644,7 @@
         </p:nvSpPr>
         <p:spPr>
           <a:xfrm>
-            <a:off x="1290069" y="27963052"/>
+            <a:off x="1493269" y="27455052"/>
             <a:ext cx="18877531" cy="3600986"/>
           </a:xfrm>
           <a:prstGeom prst="rect">
@@ -3702,7 +3719,7 @@
         </p:blipFill>
         <p:spPr>
           <a:xfrm>
-            <a:off x="16506194" y="8416366"/>
+            <a:off x="16709394" y="7908366"/>
             <a:ext cx="8127997" cy="7071358"/>
           </a:xfrm>
           <a:prstGeom prst="rect">
@@ -3726,7 +3743,7 @@
         </p:blipFill>
         <p:spPr>
           <a:xfrm>
-            <a:off x="25146000" y="8309430"/>
+            <a:off x="25349200" y="7801430"/>
             <a:ext cx="17184911" cy="7386864"/>
           </a:xfrm>
           <a:prstGeom prst="rect">
@@ -3742,7 +3759,7 @@
         </p:nvSpPr>
         <p:spPr>
           <a:xfrm>
-            <a:off x="13309596" y="15605884"/>
+            <a:off x="13512796" y="15097884"/>
             <a:ext cx="29326115" cy="830997"/>
           </a:xfrm>
           <a:prstGeom prst="rect">
@@ -3861,7 +3878,7 @@
         </p:nvSpPr>
         <p:spPr>
           <a:xfrm>
-            <a:off x="965198" y="16576035"/>
+            <a:off x="1168398" y="16068035"/>
             <a:ext cx="41670513" cy="1937656"/>
           </a:xfrm>
           <a:prstGeom prst="roundRect">
@@ -3924,7 +3941,7 @@
         </p:blipFill>
         <p:spPr>
           <a:xfrm>
-            <a:off x="1601970" y="18749485"/>
+            <a:off x="1805170" y="18241485"/>
             <a:ext cx="12573000" cy="9207500"/>
           </a:xfrm>
           <a:prstGeom prst="rect">
@@ -3948,7 +3965,7 @@
         </p:blipFill>
         <p:spPr>
           <a:xfrm>
-            <a:off x="15680311" y="18746278"/>
+            <a:off x="15883511" y="18238278"/>
             <a:ext cx="12700000" cy="9118600"/>
           </a:xfrm>
           <a:prstGeom prst="rect">
@@ -3972,7 +3989,7 @@
         </p:blipFill>
         <p:spPr>
           <a:xfrm>
-            <a:off x="29580853" y="18761354"/>
+            <a:off x="29784053" y="18253354"/>
             <a:ext cx="12185857" cy="9255924"/>
           </a:xfrm>
           <a:prstGeom prst="rect">
@@ -3988,7 +4005,7 @@
         </p:nvSpPr>
         <p:spPr>
           <a:xfrm>
-            <a:off x="20116800" y="28875364"/>
+            <a:off x="20320000" y="28367364"/>
             <a:ext cx="22518912" cy="1937656"/>
           </a:xfrm>
           <a:prstGeom prst="roundRect">
@@ -4043,7 +4060,7 @@
         </p:nvSpPr>
         <p:spPr>
           <a:xfrm>
-            <a:off x="21031201" y="31117820"/>
+            <a:off x="21234401" y="30609820"/>
             <a:ext cx="20735510" cy="10618291"/>
           </a:xfrm>
           <a:prstGeom prst="rect">
@@ -4197,77 +4214,6 @@
               <a:rPr lang="en-US" sz="4800" dirty="0" smtClean="0"/>
               <a:t>Support on public clouds.</a:t>
             </a:r>
-          </a:p>
-        </p:txBody>
-      </p:sp>
-      <p:sp>
-        <p:nvSpPr>
-          <p:cNvPr id="25" name="TextBox 24"/>
-          <p:cNvSpPr txBox="1"/>
-          <p:nvPr/>
-        </p:nvSpPr>
-        <p:spPr>
-          <a:xfrm>
-            <a:off x="8627887" y="3959747"/>
-            <a:ext cx="28905201" cy="2031325"/>
-          </a:xfrm>
-          <a:prstGeom prst="rect">
-            <a:avLst/>
-          </a:prstGeom>
-          <a:noFill/>
-        </p:spPr>
-        <p:txBody>
-          <a:bodyPr wrap="square" rtlCol="0">
-            <a:spAutoFit/>
-          </a:bodyPr>
-          <a:lstStyle/>
-          <a:p>
-            <a:pPr algn="ctr"/>
-            <a:r>
-              <a:rPr lang="en-US" sz="7200" dirty="0" smtClean="0"/>
-              <a:t>PI: Kartik Gopalan, Binghamton University (SUNY), </a:t>
-            </a:r>
-            <a:r>
-              <a:rPr lang="en-US" sz="7200" dirty="0" err="1" smtClean="0"/>
-              <a:t>kartik@binghamton.edu</a:t>
-            </a:r>
-            <a:endParaRPr lang="en-US" sz="7200" dirty="0" smtClean="0"/>
-          </a:p>
-          <a:p>
-            <a:pPr algn="ctr"/>
-            <a:r>
-              <a:rPr lang="en-US" sz="5400" dirty="0" smtClean="0"/>
-              <a:t>Collaborators: Dan Williams , </a:t>
-            </a:r>
-            <a:r>
-              <a:rPr lang="en-US" sz="5400" dirty="0" err="1" smtClean="0"/>
-              <a:t>Nilton</a:t>
-            </a:r>
-            <a:r>
-              <a:rPr lang="en-US" sz="5400" dirty="0" smtClean="0"/>
-              <a:t> </a:t>
-            </a:r>
-            <a:r>
-              <a:rPr lang="en-US" sz="5400" dirty="0" err="1" smtClean="0"/>
-              <a:t>Bila</a:t>
-            </a:r>
-            <a:r>
-              <a:rPr lang="en-US" sz="5400" dirty="0" smtClean="0"/>
-              <a:t>, </a:t>
-            </a:r>
-            <a:r>
-              <a:rPr lang="en-US" sz="5400" dirty="0" err="1" smtClean="0"/>
-              <a:t>Umesh</a:t>
-            </a:r>
-            <a:r>
-              <a:rPr lang="en-US" sz="5400" dirty="0" smtClean="0"/>
-              <a:t> Deshpande, </a:t>
-            </a:r>
-            <a:r>
-              <a:rPr lang="en-US" sz="5400" smtClean="0"/>
-              <a:t>IBM Research Labs</a:t>
-            </a:r>
-            <a:endParaRPr lang="en-US" sz="5400" dirty="0" smtClean="0"/>
           </a:p>
         </p:txBody>
       </p:sp>
@@ -4287,8 +4233,8 @@
         </p:blipFill>
         <p:spPr>
           <a:xfrm>
-            <a:off x="1066800" y="1679296"/>
-            <a:ext cx="7325631" cy="3284590"/>
+            <a:off x="1197430" y="2346833"/>
+            <a:ext cx="6462031" cy="2897378"/>
           </a:xfrm>
           <a:prstGeom prst="rect">
             <a:avLst/>
@@ -4335,7 +4281,7 @@
         </p:blipFill>
         <p:spPr>
           <a:xfrm>
-            <a:off x="1601970" y="31429140"/>
+            <a:off x="1805170" y="30921140"/>
             <a:ext cx="17626086" cy="10300449"/>
           </a:xfrm>
           <a:prstGeom prst="rect">
@@ -4351,8 +4297,8 @@
         </p:nvSpPr>
         <p:spPr>
           <a:xfrm>
-            <a:off x="2235198" y="41925711"/>
-            <a:ext cx="39130512" cy="1039025"/>
+            <a:off x="1805170" y="41221588"/>
+            <a:ext cx="19429231" cy="1521915"/>
           </a:xfrm>
           <a:prstGeom prst="roundRect">
             <a:avLst/>
@@ -4389,12 +4335,151 @@
           </a:bodyPr>
           <a:lstStyle/>
           <a:p>
-            <a:pPr algn="ctr"/>
-            <a:r>
-              <a:rPr lang="en-US" sz="6000" dirty="0" smtClean="0"/>
-              <a:t>Funded by NSF 1527338: CSR: Small: Multi-hypervisor Virtual Machines - Enabling an Ecosystem of Hypervisors in the Cloud</a:t>
-            </a:r>
-            <a:endParaRPr lang="en-US" sz="6000" dirty="0"/>
+            <a:r>
+              <a:rPr lang="en-US" sz="4800" i="1" dirty="0" smtClean="0"/>
+              <a:t>Funded by NSF 1527338: CSR: Small: Multi-hypervisor Virtual Machines - Enabling an Ecosystem of Hypervisors in </a:t>
+            </a:r>
+            <a:r>
+              <a:rPr lang="en-US" sz="4800" i="1" smtClean="0"/>
+              <a:t>the Cloud</a:t>
+            </a:r>
+            <a:endParaRPr lang="en-US" sz="4800" i="1" dirty="0" smtClean="0"/>
+          </a:p>
+        </p:txBody>
+      </p:sp>
+      <p:sp>
+        <p:nvSpPr>
+          <p:cNvPr id="32" name="Rounded Rectangle 31"/>
+          <p:cNvSpPr/>
+          <p:nvPr/>
+        </p:nvSpPr>
+        <p:spPr>
+          <a:xfrm>
+            <a:off x="21721363" y="41105022"/>
+            <a:ext cx="20777202" cy="1638481"/>
+          </a:xfrm>
+          <a:prstGeom prst="roundRect">
+            <a:avLst/>
+          </a:prstGeom>
+          <a:solidFill>
+            <a:srgbClr val="00B0F0"/>
+          </a:solidFill>
+          <a:ln>
+            <a:noFill/>
+          </a:ln>
+        </p:spPr>
+        <p:style>
+          <a:lnRef idx="2">
+            <a:schemeClr val="accent1">
+              <a:shade val="50000"/>
+            </a:schemeClr>
+          </a:lnRef>
+          <a:fillRef idx="1">
+            <a:schemeClr val="accent1"/>
+          </a:fillRef>
+          <a:effectRef idx="0">
+            <a:schemeClr val="accent1"/>
+          </a:effectRef>
+          <a:fontRef idx="minor">
+            <a:schemeClr val="lt1"/>
+          </a:fontRef>
+        </p:style>
+        <p:txBody>
+          <a:bodyPr rot="0" spcFirstLastPara="0" vertOverflow="overflow" horzOverflow="overflow" vert="horz" wrap="square" lIns="91440" tIns="45720" rIns="91440" bIns="45720" numCol="1" spcCol="0" rtlCol="0" fromWordArt="0" anchor="ctr" anchorCtr="0" forceAA="0" compatLnSpc="1">
+            <a:prstTxWarp prst="textNoShape">
+              <a:avLst/>
+            </a:prstTxWarp>
+            <a:noAutofit/>
+          </a:bodyPr>
+          <a:lstStyle/>
+          <a:p>
+            <a:r>
+              <a:rPr lang="en-US" sz="4800" i="1" dirty="0" smtClean="0"/>
+              <a:t>Students: </a:t>
+            </a:r>
+            <a:r>
+              <a:rPr lang="en-US" sz="4800" i="1" dirty="0" err="1" smtClean="0"/>
+              <a:t>Hardik</a:t>
+            </a:r>
+            <a:r>
+              <a:rPr lang="en-US" sz="4800" i="1" dirty="0" smtClean="0"/>
+              <a:t> </a:t>
+            </a:r>
+            <a:r>
+              <a:rPr lang="en-US" sz="4800" i="1" dirty="0" err="1" smtClean="0"/>
+              <a:t>Bagdi</a:t>
+            </a:r>
+            <a:r>
+              <a:rPr lang="en-US" sz="4800" i="1" dirty="0" smtClean="0"/>
+              <a:t>, </a:t>
+            </a:r>
+            <a:r>
+              <a:rPr lang="en-US" sz="4800" i="1" dirty="0" err="1" smtClean="0"/>
+              <a:t>Rohith</a:t>
+            </a:r>
+            <a:r>
+              <a:rPr lang="en-US" sz="4800" i="1" dirty="0" smtClean="0"/>
+              <a:t> </a:t>
+            </a:r>
+            <a:r>
+              <a:rPr lang="en-US" sz="4800" i="1" dirty="0" err="1" smtClean="0"/>
+              <a:t>Raghavendra</a:t>
+            </a:r>
+            <a:r>
+              <a:rPr lang="en-US" sz="4800" i="1" dirty="0" smtClean="0"/>
+              <a:t>, </a:t>
+            </a:r>
+            <a:r>
+              <a:rPr lang="en-US" sz="4800" i="1" dirty="0" err="1" smtClean="0"/>
+              <a:t>Yaohui</a:t>
+            </a:r>
+            <a:r>
+              <a:rPr lang="en-US" sz="4800" i="1" dirty="0" smtClean="0"/>
+              <a:t> Hu, </a:t>
+            </a:r>
+            <a:r>
+              <a:rPr lang="en-US" sz="4800" i="1" dirty="0" err="1" smtClean="0"/>
+              <a:t>Spoorti</a:t>
+            </a:r>
+            <a:r>
+              <a:rPr lang="en-US" sz="4800" i="1" dirty="0" smtClean="0"/>
+              <a:t> </a:t>
+            </a:r>
+            <a:r>
+              <a:rPr lang="en-US" sz="4800" i="1" dirty="0" err="1" smtClean="0"/>
+              <a:t>Doddamani</a:t>
+            </a:r>
+            <a:endParaRPr lang="en-US" sz="4800" i="1" dirty="0" smtClean="0"/>
+          </a:p>
+          <a:p>
+            <a:r>
+              <a:rPr lang="en-US" sz="4800" i="1" dirty="0" smtClean="0"/>
+              <a:t>Collaborators: Dan Williams , </a:t>
+            </a:r>
+            <a:r>
+              <a:rPr lang="en-US" sz="4800" i="1" dirty="0" err="1" smtClean="0"/>
+              <a:t>Nilton</a:t>
+            </a:r>
+            <a:r>
+              <a:rPr lang="en-US" sz="4800" i="1" dirty="0" smtClean="0"/>
+              <a:t> </a:t>
+            </a:r>
+            <a:r>
+              <a:rPr lang="en-US" sz="4800" i="1" dirty="0" err="1" smtClean="0"/>
+              <a:t>Bila</a:t>
+            </a:r>
+            <a:r>
+              <a:rPr lang="en-US" sz="4800" i="1" dirty="0" smtClean="0"/>
+              <a:t>, </a:t>
+            </a:r>
+            <a:r>
+              <a:rPr lang="en-US" sz="4800" i="1" dirty="0" err="1" smtClean="0"/>
+              <a:t>Umesh</a:t>
+            </a:r>
+            <a:r>
+              <a:rPr lang="en-US" sz="4800" i="1" dirty="0" smtClean="0"/>
+              <a:t> Deshpande, IBM Research Labs</a:t>
+            </a:r>
           </a:p>
         </p:txBody>
       </p:sp>

--- a/publications/nsf_poster.pptx
+++ b/publications/nsf_poster.pptx
@@ -4257,7 +4257,7 @@
         </p:blipFill>
         <p:spPr>
           <a:xfrm>
-            <a:off x="37366697" y="1751539"/>
+            <a:off x="37468296" y="2600545"/>
             <a:ext cx="5269015" cy="2389954"/>
           </a:xfrm>
           <a:prstGeom prst="rect">
